--- a/data/templates/traditional/dove-paper-16-9.pptx
+++ b/data/templates/traditional/dove-paper-16-9.pptx
@@ -109,10 +109,6 @@
 </p:presentation>
 </file>
 
-<file path=ppt/revisionInfo.xml><?xml version="1.0" encoding="utf-8"?>
-<p1510:revInfo xmlns:a="http://schemas.openxmlformats.org/drawingml/2006/main" xmlns:r="http://schemas.openxmlformats.org/officeDocument/2006/relationships" xmlns:p1510="http://schemas.microsoft.com/office/powerpoint/2015/10/main"/>
-</file>
-
 <file path=ppt/slideLayouts/slideLayout1.xml><?xml version="1.0" encoding="utf-8"?>
 <p:sldLayout xmlns:a="http://schemas.openxmlformats.org/drawingml/2006/main" xmlns:r="http://schemas.openxmlformats.org/officeDocument/2006/relationships" xmlns:p="http://schemas.openxmlformats.org/presentationml/2006/main" type="title" preserve="1">
   <p:cSld name="Title Slide">
@@ -195,7 +191,7 @@
         <p:spPr>
           <a:xfrm>
             <a:off x="668216" y="926020"/>
-            <a:ext cx="11676184" cy="5659418"/>
+            <a:ext cx="11119442" cy="5659418"/>
           </a:xfrm>
         </p:spPr>
         <p:txBody>
@@ -1068,7 +1064,7 @@
             <a:fld id="{48A87A34-81AB-432B-8DAE-1953F412C126}" type="datetimeFigureOut">
               <a:rPr lang="en-US" smtClean="0"/>
               <a:pPr/>
-              <a:t>9/17/2017</a:t>
+              <a:t>10/23/2018</a:t>
             </a:fld>
             <a:endParaRPr lang="en-US" dirty="0"/>
           </a:p>
